--- a/ppt 16-9/1064.虽是四面楚歌.pptx
+++ b/ppt 16-9/1064.虽是四面楚歌.pptx
@@ -5,7 +5,7 @@
     <p:sldMasterId id="2147483648" r:id="rId1"/>
   </p:sldMasterIdLst>
   <p:sldIdLst>
-    <p:sldId id="508" r:id="rId2"/>
+    <p:sldId id="510" r:id="rId2"/>
   </p:sldIdLst>
   <p:sldSz cx="12192000" cy="6858000"/>
   <p:notesSz cx="6858000" cy="9144000"/>
@@ -129,7 +129,7 @@
           <p:cNvPr id="2" name="标题 1">
             <a:extLst>
               <a:ext uri="{FF2B5EF4-FFF2-40B4-BE49-F238E27FC236}">
-                <a16:creationId xmlns:a16="http://schemas.microsoft.com/office/drawing/2014/main" id="{12BA61F8-BDB4-6916-CF41-E679018FAD5F}"/>
+                <a16:creationId xmlns:a16="http://schemas.microsoft.com/office/drawing/2014/main" id="{29E7AA65-870E-B569-A13F-681A8DC0C3E1}"/>
               </a:ext>
             </a:extLst>
           </p:cNvPr>
@@ -166,7 +166,7 @@
           <p:cNvPr id="3" name="副标题 2">
             <a:extLst>
               <a:ext uri="{FF2B5EF4-FFF2-40B4-BE49-F238E27FC236}">
-                <a16:creationId xmlns:a16="http://schemas.microsoft.com/office/drawing/2014/main" id="{34887503-AFE1-CC13-1B8C-CEC595C4B885}"/>
+                <a16:creationId xmlns:a16="http://schemas.microsoft.com/office/drawing/2014/main" id="{FFA50115-4D79-9FAE-C73A-89CA5B8362C4}"/>
               </a:ext>
             </a:extLst>
           </p:cNvPr>
@@ -236,7 +236,7 @@
           <p:cNvPr id="4" name="日期占位符 3">
             <a:extLst>
               <a:ext uri="{FF2B5EF4-FFF2-40B4-BE49-F238E27FC236}">
-                <a16:creationId xmlns:a16="http://schemas.microsoft.com/office/drawing/2014/main" id="{35EBD725-D5F2-0545-81D3-C030AFA67264}"/>
+                <a16:creationId xmlns:a16="http://schemas.microsoft.com/office/drawing/2014/main" id="{F52B9B40-D72F-3216-D1F3-DD3D583F5B21}"/>
               </a:ext>
             </a:extLst>
           </p:cNvPr>
@@ -252,7 +252,7 @@
           <a:bodyPr/>
           <a:lstStyle/>
           <a:p>
-            <a:fld id="{972852DF-CDD4-470E-9D59-98B9159E1B77}" type="datetimeFigureOut">
+            <a:fld id="{BBEA7C65-B224-4A26-BB57-1F2B46911715}" type="datetimeFigureOut">
               <a:rPr lang="zh-CN" altLang="en-US" smtClean="0"/>
               <a:t>2024/3/10</a:t>
             </a:fld>
@@ -265,7 +265,7 @@
           <p:cNvPr id="5" name="页脚占位符 4">
             <a:extLst>
               <a:ext uri="{FF2B5EF4-FFF2-40B4-BE49-F238E27FC236}">
-                <a16:creationId xmlns:a16="http://schemas.microsoft.com/office/drawing/2014/main" id="{7605B9D1-5B05-0587-4D6B-145742E2E3BB}"/>
+                <a16:creationId xmlns:a16="http://schemas.microsoft.com/office/drawing/2014/main" id="{03640494-5610-5CC4-E215-1D688FB672CE}"/>
               </a:ext>
             </a:extLst>
           </p:cNvPr>
@@ -290,7 +290,7 @@
           <p:cNvPr id="6" name="灯片编号占位符 5">
             <a:extLst>
               <a:ext uri="{FF2B5EF4-FFF2-40B4-BE49-F238E27FC236}">
-                <a16:creationId xmlns:a16="http://schemas.microsoft.com/office/drawing/2014/main" id="{DC6831AA-1609-0962-3962-65DA966B998E}"/>
+                <a16:creationId xmlns:a16="http://schemas.microsoft.com/office/drawing/2014/main" id="{7FAA37C0-A3A2-ECC6-9470-B24CF76B2013}"/>
               </a:ext>
             </a:extLst>
           </p:cNvPr>
@@ -306,7 +306,7 @@
           <a:bodyPr/>
           <a:lstStyle/>
           <a:p>
-            <a:fld id="{229156A9-1049-4FB4-861E-0FDF8963DA8E}" type="slidenum">
+            <a:fld id="{8EC698A9-C072-4A1E-A512-AACA1E39E526}" type="slidenum">
               <a:rPr lang="zh-CN" altLang="en-US" smtClean="0"/>
               <a:t>‹#›</a:t>
             </a:fld>
@@ -317,7 +317,7 @@
     </p:spTree>
     <p:extLst>
       <p:ext uri="{BB962C8B-B14F-4D97-AF65-F5344CB8AC3E}">
-        <p14:creationId xmlns:p14="http://schemas.microsoft.com/office/powerpoint/2010/main" val="2176610943"/>
+        <p14:creationId xmlns:p14="http://schemas.microsoft.com/office/powerpoint/2010/main" val="1506419554"/>
       </p:ext>
     </p:extLst>
   </p:cSld>
@@ -349,7 +349,7 @@
           <p:cNvPr id="2" name="标题 1">
             <a:extLst>
               <a:ext uri="{FF2B5EF4-FFF2-40B4-BE49-F238E27FC236}">
-                <a16:creationId xmlns:a16="http://schemas.microsoft.com/office/drawing/2014/main" id="{146F9C23-AF67-81E1-CA0F-11BDA9220405}"/>
+                <a16:creationId xmlns:a16="http://schemas.microsoft.com/office/drawing/2014/main" id="{10CCE55F-2B79-EDA8-36B2-A086E80AC73D}"/>
               </a:ext>
             </a:extLst>
           </p:cNvPr>
@@ -377,7 +377,7 @@
           <p:cNvPr id="3" name="竖排文字占位符 2">
             <a:extLst>
               <a:ext uri="{FF2B5EF4-FFF2-40B4-BE49-F238E27FC236}">
-                <a16:creationId xmlns:a16="http://schemas.microsoft.com/office/drawing/2014/main" id="{01DA5B4B-14CB-0FC5-C5EA-B50960D8DDDC}"/>
+                <a16:creationId xmlns:a16="http://schemas.microsoft.com/office/drawing/2014/main" id="{259C17F4-8D41-15A3-AF9B-4B053A4DFD78}"/>
               </a:ext>
             </a:extLst>
           </p:cNvPr>
@@ -434,7 +434,7 @@
           <p:cNvPr id="4" name="日期占位符 3">
             <a:extLst>
               <a:ext uri="{FF2B5EF4-FFF2-40B4-BE49-F238E27FC236}">
-                <a16:creationId xmlns:a16="http://schemas.microsoft.com/office/drawing/2014/main" id="{D871D83A-ED33-3B68-60AC-39D1B466F543}"/>
+                <a16:creationId xmlns:a16="http://schemas.microsoft.com/office/drawing/2014/main" id="{4E07F2A7-73B1-BDCF-A88F-C43BCE7E61B6}"/>
               </a:ext>
             </a:extLst>
           </p:cNvPr>
@@ -450,7 +450,7 @@
           <a:bodyPr/>
           <a:lstStyle/>
           <a:p>
-            <a:fld id="{972852DF-CDD4-470E-9D59-98B9159E1B77}" type="datetimeFigureOut">
+            <a:fld id="{BBEA7C65-B224-4A26-BB57-1F2B46911715}" type="datetimeFigureOut">
               <a:rPr lang="zh-CN" altLang="en-US" smtClean="0"/>
               <a:t>2024/3/10</a:t>
             </a:fld>
@@ -463,7 +463,7 @@
           <p:cNvPr id="5" name="页脚占位符 4">
             <a:extLst>
               <a:ext uri="{FF2B5EF4-FFF2-40B4-BE49-F238E27FC236}">
-                <a16:creationId xmlns:a16="http://schemas.microsoft.com/office/drawing/2014/main" id="{ADBDE9E8-6592-C5C1-0664-8C4ECDEAAB4E}"/>
+                <a16:creationId xmlns:a16="http://schemas.microsoft.com/office/drawing/2014/main" id="{6ADF6567-EBBB-0B4A-6E49-66F1650066AA}"/>
               </a:ext>
             </a:extLst>
           </p:cNvPr>
@@ -488,7 +488,7 @@
           <p:cNvPr id="6" name="灯片编号占位符 5">
             <a:extLst>
               <a:ext uri="{FF2B5EF4-FFF2-40B4-BE49-F238E27FC236}">
-                <a16:creationId xmlns:a16="http://schemas.microsoft.com/office/drawing/2014/main" id="{F7C416B3-7039-F575-97FF-A7BF57CE2438}"/>
+                <a16:creationId xmlns:a16="http://schemas.microsoft.com/office/drawing/2014/main" id="{6D41AEAD-60A8-FD15-3965-17E9502D0E98}"/>
               </a:ext>
             </a:extLst>
           </p:cNvPr>
@@ -504,7 +504,7 @@
           <a:bodyPr/>
           <a:lstStyle/>
           <a:p>
-            <a:fld id="{229156A9-1049-4FB4-861E-0FDF8963DA8E}" type="slidenum">
+            <a:fld id="{8EC698A9-C072-4A1E-A512-AACA1E39E526}" type="slidenum">
               <a:rPr lang="zh-CN" altLang="en-US" smtClean="0"/>
               <a:t>‹#›</a:t>
             </a:fld>
@@ -515,7 +515,7 @@
     </p:spTree>
     <p:extLst>
       <p:ext uri="{BB962C8B-B14F-4D97-AF65-F5344CB8AC3E}">
-        <p14:creationId xmlns:p14="http://schemas.microsoft.com/office/powerpoint/2010/main" val="220645495"/>
+        <p14:creationId xmlns:p14="http://schemas.microsoft.com/office/powerpoint/2010/main" val="606930822"/>
       </p:ext>
     </p:extLst>
   </p:cSld>
@@ -547,7 +547,7 @@
           <p:cNvPr id="2" name="竖排标题 1">
             <a:extLst>
               <a:ext uri="{FF2B5EF4-FFF2-40B4-BE49-F238E27FC236}">
-                <a16:creationId xmlns:a16="http://schemas.microsoft.com/office/drawing/2014/main" id="{A98C36C5-8B52-1F9F-F8E4-9FA31B9318B3}"/>
+                <a16:creationId xmlns:a16="http://schemas.microsoft.com/office/drawing/2014/main" id="{5F80F546-2C44-EAC4-370C-0896BB7E2AFC}"/>
               </a:ext>
             </a:extLst>
           </p:cNvPr>
@@ -580,7 +580,7 @@
           <p:cNvPr id="3" name="竖排文字占位符 2">
             <a:extLst>
               <a:ext uri="{FF2B5EF4-FFF2-40B4-BE49-F238E27FC236}">
-                <a16:creationId xmlns:a16="http://schemas.microsoft.com/office/drawing/2014/main" id="{B0C9F650-DAB2-7E2E-F6C1-9D9700517496}"/>
+                <a16:creationId xmlns:a16="http://schemas.microsoft.com/office/drawing/2014/main" id="{B522E2A3-499C-6FBB-A988-AC6664CB6C6F}"/>
               </a:ext>
             </a:extLst>
           </p:cNvPr>
@@ -642,7 +642,7 @@
           <p:cNvPr id="4" name="日期占位符 3">
             <a:extLst>
               <a:ext uri="{FF2B5EF4-FFF2-40B4-BE49-F238E27FC236}">
-                <a16:creationId xmlns:a16="http://schemas.microsoft.com/office/drawing/2014/main" id="{510AC7B7-EB80-6E0B-0877-399267C207DC}"/>
+                <a16:creationId xmlns:a16="http://schemas.microsoft.com/office/drawing/2014/main" id="{367F09C0-D62D-0AD6-D049-EE63737B80E7}"/>
               </a:ext>
             </a:extLst>
           </p:cNvPr>
@@ -658,7 +658,7 @@
           <a:bodyPr/>
           <a:lstStyle/>
           <a:p>
-            <a:fld id="{972852DF-CDD4-470E-9D59-98B9159E1B77}" type="datetimeFigureOut">
+            <a:fld id="{BBEA7C65-B224-4A26-BB57-1F2B46911715}" type="datetimeFigureOut">
               <a:rPr lang="zh-CN" altLang="en-US" smtClean="0"/>
               <a:t>2024/3/10</a:t>
             </a:fld>
@@ -671,7 +671,7 @@
           <p:cNvPr id="5" name="页脚占位符 4">
             <a:extLst>
               <a:ext uri="{FF2B5EF4-FFF2-40B4-BE49-F238E27FC236}">
-                <a16:creationId xmlns:a16="http://schemas.microsoft.com/office/drawing/2014/main" id="{C3259FDC-222C-3770-6CD3-C74138BB05F6}"/>
+                <a16:creationId xmlns:a16="http://schemas.microsoft.com/office/drawing/2014/main" id="{043BD41F-3CBF-599F-BEFC-0C4CC41837E7}"/>
               </a:ext>
             </a:extLst>
           </p:cNvPr>
@@ -696,7 +696,7 @@
           <p:cNvPr id="6" name="灯片编号占位符 5">
             <a:extLst>
               <a:ext uri="{FF2B5EF4-FFF2-40B4-BE49-F238E27FC236}">
-                <a16:creationId xmlns:a16="http://schemas.microsoft.com/office/drawing/2014/main" id="{6E3200FA-B6E7-9B78-AFF8-52E3BCEFC10C}"/>
+                <a16:creationId xmlns:a16="http://schemas.microsoft.com/office/drawing/2014/main" id="{D11BF515-C2C4-FF79-B084-AAFF9A7A0037}"/>
               </a:ext>
             </a:extLst>
           </p:cNvPr>
@@ -712,7 +712,7 @@
           <a:bodyPr/>
           <a:lstStyle/>
           <a:p>
-            <a:fld id="{229156A9-1049-4FB4-861E-0FDF8963DA8E}" type="slidenum">
+            <a:fld id="{8EC698A9-C072-4A1E-A512-AACA1E39E526}" type="slidenum">
               <a:rPr lang="zh-CN" altLang="en-US" smtClean="0"/>
               <a:t>‹#›</a:t>
             </a:fld>
@@ -723,7 +723,7 @@
     </p:spTree>
     <p:extLst>
       <p:ext uri="{BB962C8B-B14F-4D97-AF65-F5344CB8AC3E}">
-        <p14:creationId xmlns:p14="http://schemas.microsoft.com/office/powerpoint/2010/main" val="289949382"/>
+        <p14:creationId xmlns:p14="http://schemas.microsoft.com/office/powerpoint/2010/main" val="105290921"/>
       </p:ext>
     </p:extLst>
   </p:cSld>
@@ -755,7 +755,7 @@
           <p:cNvPr id="2" name="标题 1">
             <a:extLst>
               <a:ext uri="{FF2B5EF4-FFF2-40B4-BE49-F238E27FC236}">
-                <a16:creationId xmlns:a16="http://schemas.microsoft.com/office/drawing/2014/main" id="{D51D74CD-9E5F-43E3-6F80-188F27C02E75}"/>
+                <a16:creationId xmlns:a16="http://schemas.microsoft.com/office/drawing/2014/main" id="{1E6BB8BD-C81E-429E-63F4-B257FA7F8ECC}"/>
               </a:ext>
             </a:extLst>
           </p:cNvPr>
@@ -783,7 +783,7 @@
           <p:cNvPr id="3" name="内容占位符 2">
             <a:extLst>
               <a:ext uri="{FF2B5EF4-FFF2-40B4-BE49-F238E27FC236}">
-                <a16:creationId xmlns:a16="http://schemas.microsoft.com/office/drawing/2014/main" id="{4F49E98C-39CE-F38E-1FAD-541233916B66}"/>
+                <a16:creationId xmlns:a16="http://schemas.microsoft.com/office/drawing/2014/main" id="{37994F12-CA7C-C1A4-DF14-BEEADF65496D}"/>
               </a:ext>
             </a:extLst>
           </p:cNvPr>
@@ -840,7 +840,7 @@
           <p:cNvPr id="4" name="日期占位符 3">
             <a:extLst>
               <a:ext uri="{FF2B5EF4-FFF2-40B4-BE49-F238E27FC236}">
-                <a16:creationId xmlns:a16="http://schemas.microsoft.com/office/drawing/2014/main" id="{A504F846-9A9F-463C-CE6D-2FA4C4039A21}"/>
+                <a16:creationId xmlns:a16="http://schemas.microsoft.com/office/drawing/2014/main" id="{FE22C201-41A1-1394-DD73-0E41B41E539A}"/>
               </a:ext>
             </a:extLst>
           </p:cNvPr>
@@ -856,7 +856,7 @@
           <a:bodyPr/>
           <a:lstStyle/>
           <a:p>
-            <a:fld id="{972852DF-CDD4-470E-9D59-98B9159E1B77}" type="datetimeFigureOut">
+            <a:fld id="{BBEA7C65-B224-4A26-BB57-1F2B46911715}" type="datetimeFigureOut">
               <a:rPr lang="zh-CN" altLang="en-US" smtClean="0"/>
               <a:t>2024/3/10</a:t>
             </a:fld>
@@ -869,7 +869,7 @@
           <p:cNvPr id="5" name="页脚占位符 4">
             <a:extLst>
               <a:ext uri="{FF2B5EF4-FFF2-40B4-BE49-F238E27FC236}">
-                <a16:creationId xmlns:a16="http://schemas.microsoft.com/office/drawing/2014/main" id="{1CE7F8D7-A486-A036-0A02-3AFFEFADFB81}"/>
+                <a16:creationId xmlns:a16="http://schemas.microsoft.com/office/drawing/2014/main" id="{6329EB30-5252-FC87-7B80-CBD21BAAE3FB}"/>
               </a:ext>
             </a:extLst>
           </p:cNvPr>
@@ -894,7 +894,7 @@
           <p:cNvPr id="6" name="灯片编号占位符 5">
             <a:extLst>
               <a:ext uri="{FF2B5EF4-FFF2-40B4-BE49-F238E27FC236}">
-                <a16:creationId xmlns:a16="http://schemas.microsoft.com/office/drawing/2014/main" id="{CBFDECFD-AAF9-E57C-587F-225BBC8E4E95}"/>
+                <a16:creationId xmlns:a16="http://schemas.microsoft.com/office/drawing/2014/main" id="{C22C5F63-53DB-109F-754A-509077851E8A}"/>
               </a:ext>
             </a:extLst>
           </p:cNvPr>
@@ -910,7 +910,7 @@
           <a:bodyPr/>
           <a:lstStyle/>
           <a:p>
-            <a:fld id="{229156A9-1049-4FB4-861E-0FDF8963DA8E}" type="slidenum">
+            <a:fld id="{8EC698A9-C072-4A1E-A512-AACA1E39E526}" type="slidenum">
               <a:rPr lang="zh-CN" altLang="en-US" smtClean="0"/>
               <a:t>‹#›</a:t>
             </a:fld>
@@ -921,7 +921,7 @@
     </p:spTree>
     <p:extLst>
       <p:ext uri="{BB962C8B-B14F-4D97-AF65-F5344CB8AC3E}">
-        <p14:creationId xmlns:p14="http://schemas.microsoft.com/office/powerpoint/2010/main" val="2683526260"/>
+        <p14:creationId xmlns:p14="http://schemas.microsoft.com/office/powerpoint/2010/main" val="97887400"/>
       </p:ext>
     </p:extLst>
   </p:cSld>
@@ -953,7 +953,7 @@
           <p:cNvPr id="2" name="标题 1">
             <a:extLst>
               <a:ext uri="{FF2B5EF4-FFF2-40B4-BE49-F238E27FC236}">
-                <a16:creationId xmlns:a16="http://schemas.microsoft.com/office/drawing/2014/main" id="{6DB592F9-E947-FFA6-7B02-69C98AD48650}"/>
+                <a16:creationId xmlns:a16="http://schemas.microsoft.com/office/drawing/2014/main" id="{4F139375-5235-5FFD-CE8B-843E3AD0B87B}"/>
               </a:ext>
             </a:extLst>
           </p:cNvPr>
@@ -990,7 +990,7 @@
           <p:cNvPr id="3" name="文本占位符 2">
             <a:extLst>
               <a:ext uri="{FF2B5EF4-FFF2-40B4-BE49-F238E27FC236}">
-                <a16:creationId xmlns:a16="http://schemas.microsoft.com/office/drawing/2014/main" id="{1D713D5D-F13C-EF9B-C3F1-6238A3F3A402}"/>
+                <a16:creationId xmlns:a16="http://schemas.microsoft.com/office/drawing/2014/main" id="{725C6B70-7B89-39A4-D2A0-014C8D12218A}"/>
               </a:ext>
             </a:extLst>
           </p:cNvPr>
@@ -1115,7 +1115,7 @@
           <p:cNvPr id="4" name="日期占位符 3">
             <a:extLst>
               <a:ext uri="{FF2B5EF4-FFF2-40B4-BE49-F238E27FC236}">
-                <a16:creationId xmlns:a16="http://schemas.microsoft.com/office/drawing/2014/main" id="{020105B8-4388-5D33-3647-2C8B271A228F}"/>
+                <a16:creationId xmlns:a16="http://schemas.microsoft.com/office/drawing/2014/main" id="{83C8D87D-A703-D858-A253-76544AEA7D57}"/>
               </a:ext>
             </a:extLst>
           </p:cNvPr>
@@ -1131,7 +1131,7 @@
           <a:bodyPr/>
           <a:lstStyle/>
           <a:p>
-            <a:fld id="{972852DF-CDD4-470E-9D59-98B9159E1B77}" type="datetimeFigureOut">
+            <a:fld id="{BBEA7C65-B224-4A26-BB57-1F2B46911715}" type="datetimeFigureOut">
               <a:rPr lang="zh-CN" altLang="en-US" smtClean="0"/>
               <a:t>2024/3/10</a:t>
             </a:fld>
@@ -1144,7 +1144,7 @@
           <p:cNvPr id="5" name="页脚占位符 4">
             <a:extLst>
               <a:ext uri="{FF2B5EF4-FFF2-40B4-BE49-F238E27FC236}">
-                <a16:creationId xmlns:a16="http://schemas.microsoft.com/office/drawing/2014/main" id="{A835FB2F-F0B1-5F92-1886-6AA98BC15B7C}"/>
+                <a16:creationId xmlns:a16="http://schemas.microsoft.com/office/drawing/2014/main" id="{6CB50F62-E10B-F0FC-E21D-46875CACFD43}"/>
               </a:ext>
             </a:extLst>
           </p:cNvPr>
@@ -1169,7 +1169,7 @@
           <p:cNvPr id="6" name="灯片编号占位符 5">
             <a:extLst>
               <a:ext uri="{FF2B5EF4-FFF2-40B4-BE49-F238E27FC236}">
-                <a16:creationId xmlns:a16="http://schemas.microsoft.com/office/drawing/2014/main" id="{E93BAAE8-83BC-4EF3-9F1E-EDD7DEB7B2EB}"/>
+                <a16:creationId xmlns:a16="http://schemas.microsoft.com/office/drawing/2014/main" id="{0FC3297A-26E0-7F94-C81A-C86C470611F4}"/>
               </a:ext>
             </a:extLst>
           </p:cNvPr>
@@ -1185,7 +1185,7 @@
           <a:bodyPr/>
           <a:lstStyle/>
           <a:p>
-            <a:fld id="{229156A9-1049-4FB4-861E-0FDF8963DA8E}" type="slidenum">
+            <a:fld id="{8EC698A9-C072-4A1E-A512-AACA1E39E526}" type="slidenum">
               <a:rPr lang="zh-CN" altLang="en-US" smtClean="0"/>
               <a:t>‹#›</a:t>
             </a:fld>
@@ -1196,7 +1196,7 @@
     </p:spTree>
     <p:extLst>
       <p:ext uri="{BB962C8B-B14F-4D97-AF65-F5344CB8AC3E}">
-        <p14:creationId xmlns:p14="http://schemas.microsoft.com/office/powerpoint/2010/main" val="2043912234"/>
+        <p14:creationId xmlns:p14="http://schemas.microsoft.com/office/powerpoint/2010/main" val="1762103043"/>
       </p:ext>
     </p:extLst>
   </p:cSld>
@@ -1228,7 +1228,7 @@
           <p:cNvPr id="2" name="标题 1">
             <a:extLst>
               <a:ext uri="{FF2B5EF4-FFF2-40B4-BE49-F238E27FC236}">
-                <a16:creationId xmlns:a16="http://schemas.microsoft.com/office/drawing/2014/main" id="{A5C86525-3CBD-0D31-6F24-D15636BF0824}"/>
+                <a16:creationId xmlns:a16="http://schemas.microsoft.com/office/drawing/2014/main" id="{29D07BA0-6925-E905-1C73-8A68D18EAF45}"/>
               </a:ext>
             </a:extLst>
           </p:cNvPr>
@@ -1256,7 +1256,7 @@
           <p:cNvPr id="3" name="内容占位符 2">
             <a:extLst>
               <a:ext uri="{FF2B5EF4-FFF2-40B4-BE49-F238E27FC236}">
-                <a16:creationId xmlns:a16="http://schemas.microsoft.com/office/drawing/2014/main" id="{ED83EC22-7289-4BD2-ACAE-355CCE798949}"/>
+                <a16:creationId xmlns:a16="http://schemas.microsoft.com/office/drawing/2014/main" id="{0BFB92F1-2F09-EF44-3288-538938E0CF9E}"/>
               </a:ext>
             </a:extLst>
           </p:cNvPr>
@@ -1318,7 +1318,7 @@
           <p:cNvPr id="4" name="内容占位符 3">
             <a:extLst>
               <a:ext uri="{FF2B5EF4-FFF2-40B4-BE49-F238E27FC236}">
-                <a16:creationId xmlns:a16="http://schemas.microsoft.com/office/drawing/2014/main" id="{F2FDBDB8-8727-7F91-6223-A585A54D388B}"/>
+                <a16:creationId xmlns:a16="http://schemas.microsoft.com/office/drawing/2014/main" id="{D0837895-F42A-9B40-45F4-99DD0606DDA6}"/>
               </a:ext>
             </a:extLst>
           </p:cNvPr>
@@ -1380,7 +1380,7 @@
           <p:cNvPr id="5" name="日期占位符 4">
             <a:extLst>
               <a:ext uri="{FF2B5EF4-FFF2-40B4-BE49-F238E27FC236}">
-                <a16:creationId xmlns:a16="http://schemas.microsoft.com/office/drawing/2014/main" id="{4B3C4646-102E-0F5D-C67B-4D437DCD23F2}"/>
+                <a16:creationId xmlns:a16="http://schemas.microsoft.com/office/drawing/2014/main" id="{D3410EDE-8DDC-BB3E-D2EE-AD1F747C1EBD}"/>
               </a:ext>
             </a:extLst>
           </p:cNvPr>
@@ -1396,7 +1396,7 @@
           <a:bodyPr/>
           <a:lstStyle/>
           <a:p>
-            <a:fld id="{972852DF-CDD4-470E-9D59-98B9159E1B77}" type="datetimeFigureOut">
+            <a:fld id="{BBEA7C65-B224-4A26-BB57-1F2B46911715}" type="datetimeFigureOut">
               <a:rPr lang="zh-CN" altLang="en-US" smtClean="0"/>
               <a:t>2024/3/10</a:t>
             </a:fld>
@@ -1409,7 +1409,7 @@
           <p:cNvPr id="6" name="页脚占位符 5">
             <a:extLst>
               <a:ext uri="{FF2B5EF4-FFF2-40B4-BE49-F238E27FC236}">
-                <a16:creationId xmlns:a16="http://schemas.microsoft.com/office/drawing/2014/main" id="{7FB19A72-6A09-8F8A-5F64-58BD9993F499}"/>
+                <a16:creationId xmlns:a16="http://schemas.microsoft.com/office/drawing/2014/main" id="{1863A821-B352-1A4E-0E58-2AB88BBB977C}"/>
               </a:ext>
             </a:extLst>
           </p:cNvPr>
@@ -1434,7 +1434,7 @@
           <p:cNvPr id="7" name="灯片编号占位符 6">
             <a:extLst>
               <a:ext uri="{FF2B5EF4-FFF2-40B4-BE49-F238E27FC236}">
-                <a16:creationId xmlns:a16="http://schemas.microsoft.com/office/drawing/2014/main" id="{97BC9228-D8DB-EC9D-8376-C32A14F6DD12}"/>
+                <a16:creationId xmlns:a16="http://schemas.microsoft.com/office/drawing/2014/main" id="{4E77EAAB-BA9D-1F41-38D0-E98431605CC9}"/>
               </a:ext>
             </a:extLst>
           </p:cNvPr>
@@ -1450,7 +1450,7 @@
           <a:bodyPr/>
           <a:lstStyle/>
           <a:p>
-            <a:fld id="{229156A9-1049-4FB4-861E-0FDF8963DA8E}" type="slidenum">
+            <a:fld id="{8EC698A9-C072-4A1E-A512-AACA1E39E526}" type="slidenum">
               <a:rPr lang="zh-CN" altLang="en-US" smtClean="0"/>
               <a:t>‹#›</a:t>
             </a:fld>
@@ -1461,7 +1461,7 @@
     </p:spTree>
     <p:extLst>
       <p:ext uri="{BB962C8B-B14F-4D97-AF65-F5344CB8AC3E}">
-        <p14:creationId xmlns:p14="http://schemas.microsoft.com/office/powerpoint/2010/main" val="2641970303"/>
+        <p14:creationId xmlns:p14="http://schemas.microsoft.com/office/powerpoint/2010/main" val="1266756057"/>
       </p:ext>
     </p:extLst>
   </p:cSld>
@@ -1493,7 +1493,7 @@
           <p:cNvPr id="2" name="标题 1">
             <a:extLst>
               <a:ext uri="{FF2B5EF4-FFF2-40B4-BE49-F238E27FC236}">
-                <a16:creationId xmlns:a16="http://schemas.microsoft.com/office/drawing/2014/main" id="{2FBF6E19-E030-F4AC-6B6B-31240A6CF4AE}"/>
+                <a16:creationId xmlns:a16="http://schemas.microsoft.com/office/drawing/2014/main" id="{618B05BF-55E3-4E81-AE7E-28A0B1D8129C}"/>
               </a:ext>
             </a:extLst>
           </p:cNvPr>
@@ -1526,7 +1526,7 @@
           <p:cNvPr id="3" name="文本占位符 2">
             <a:extLst>
               <a:ext uri="{FF2B5EF4-FFF2-40B4-BE49-F238E27FC236}">
-                <a16:creationId xmlns:a16="http://schemas.microsoft.com/office/drawing/2014/main" id="{A543C314-FDB2-D6A8-27E6-BE03D6D7E63F}"/>
+                <a16:creationId xmlns:a16="http://schemas.microsoft.com/office/drawing/2014/main" id="{3573A76A-5573-8FB3-74CC-C9A6FB643718}"/>
               </a:ext>
             </a:extLst>
           </p:cNvPr>
@@ -1597,7 +1597,7 @@
           <p:cNvPr id="4" name="内容占位符 3">
             <a:extLst>
               <a:ext uri="{FF2B5EF4-FFF2-40B4-BE49-F238E27FC236}">
-                <a16:creationId xmlns:a16="http://schemas.microsoft.com/office/drawing/2014/main" id="{A6B98D14-4668-287B-8856-BCE973F136B5}"/>
+                <a16:creationId xmlns:a16="http://schemas.microsoft.com/office/drawing/2014/main" id="{EED098D0-63C9-88A6-B230-B259D4958850}"/>
               </a:ext>
             </a:extLst>
           </p:cNvPr>
@@ -1659,7 +1659,7 @@
           <p:cNvPr id="5" name="文本占位符 4">
             <a:extLst>
               <a:ext uri="{FF2B5EF4-FFF2-40B4-BE49-F238E27FC236}">
-                <a16:creationId xmlns:a16="http://schemas.microsoft.com/office/drawing/2014/main" id="{26E4C51C-DC3A-3C03-D27C-E36A394DD084}"/>
+                <a16:creationId xmlns:a16="http://schemas.microsoft.com/office/drawing/2014/main" id="{FE0FB8E2-965F-E67B-C6C6-10D23E29192F}"/>
               </a:ext>
             </a:extLst>
           </p:cNvPr>
@@ -1730,7 +1730,7 @@
           <p:cNvPr id="6" name="内容占位符 5">
             <a:extLst>
               <a:ext uri="{FF2B5EF4-FFF2-40B4-BE49-F238E27FC236}">
-                <a16:creationId xmlns:a16="http://schemas.microsoft.com/office/drawing/2014/main" id="{0E74D100-DC7A-1327-7E7C-DD0F47BFC763}"/>
+                <a16:creationId xmlns:a16="http://schemas.microsoft.com/office/drawing/2014/main" id="{B0BA58C8-4C2C-F697-9222-03E329598995}"/>
               </a:ext>
             </a:extLst>
           </p:cNvPr>
@@ -1792,7 +1792,7 @@
           <p:cNvPr id="7" name="日期占位符 6">
             <a:extLst>
               <a:ext uri="{FF2B5EF4-FFF2-40B4-BE49-F238E27FC236}">
-                <a16:creationId xmlns:a16="http://schemas.microsoft.com/office/drawing/2014/main" id="{BC36DBD4-1B18-5E44-701C-E14C5FD9A226}"/>
+                <a16:creationId xmlns:a16="http://schemas.microsoft.com/office/drawing/2014/main" id="{2F95A9FD-3EC0-8F17-80FA-EEFAAD8ACB62}"/>
               </a:ext>
             </a:extLst>
           </p:cNvPr>
@@ -1808,7 +1808,7 @@
           <a:bodyPr/>
           <a:lstStyle/>
           <a:p>
-            <a:fld id="{972852DF-CDD4-470E-9D59-98B9159E1B77}" type="datetimeFigureOut">
+            <a:fld id="{BBEA7C65-B224-4A26-BB57-1F2B46911715}" type="datetimeFigureOut">
               <a:rPr lang="zh-CN" altLang="en-US" smtClean="0"/>
               <a:t>2024/3/10</a:t>
             </a:fld>
@@ -1821,7 +1821,7 @@
           <p:cNvPr id="8" name="页脚占位符 7">
             <a:extLst>
               <a:ext uri="{FF2B5EF4-FFF2-40B4-BE49-F238E27FC236}">
-                <a16:creationId xmlns:a16="http://schemas.microsoft.com/office/drawing/2014/main" id="{C79BEDE4-0773-D9F9-C6D5-11255F68613A}"/>
+                <a16:creationId xmlns:a16="http://schemas.microsoft.com/office/drawing/2014/main" id="{F217C370-5B40-322A-8624-85531A9E47F0}"/>
               </a:ext>
             </a:extLst>
           </p:cNvPr>
@@ -1846,7 +1846,7 @@
           <p:cNvPr id="9" name="灯片编号占位符 8">
             <a:extLst>
               <a:ext uri="{FF2B5EF4-FFF2-40B4-BE49-F238E27FC236}">
-                <a16:creationId xmlns:a16="http://schemas.microsoft.com/office/drawing/2014/main" id="{2FB46C16-2300-572D-CC1A-D39F353B2D2A}"/>
+                <a16:creationId xmlns:a16="http://schemas.microsoft.com/office/drawing/2014/main" id="{ACA90AA0-3661-33D6-29B1-23C3DE9093DC}"/>
               </a:ext>
             </a:extLst>
           </p:cNvPr>
@@ -1862,7 +1862,7 @@
           <a:bodyPr/>
           <a:lstStyle/>
           <a:p>
-            <a:fld id="{229156A9-1049-4FB4-861E-0FDF8963DA8E}" type="slidenum">
+            <a:fld id="{8EC698A9-C072-4A1E-A512-AACA1E39E526}" type="slidenum">
               <a:rPr lang="zh-CN" altLang="en-US" smtClean="0"/>
               <a:t>‹#›</a:t>
             </a:fld>
@@ -1873,7 +1873,7 @@
     </p:spTree>
     <p:extLst>
       <p:ext uri="{BB962C8B-B14F-4D97-AF65-F5344CB8AC3E}">
-        <p14:creationId xmlns:p14="http://schemas.microsoft.com/office/powerpoint/2010/main" val="1061279245"/>
+        <p14:creationId xmlns:p14="http://schemas.microsoft.com/office/powerpoint/2010/main" val="2077195892"/>
       </p:ext>
     </p:extLst>
   </p:cSld>
@@ -1905,7 +1905,7 @@
           <p:cNvPr id="2" name="标题 1">
             <a:extLst>
               <a:ext uri="{FF2B5EF4-FFF2-40B4-BE49-F238E27FC236}">
-                <a16:creationId xmlns:a16="http://schemas.microsoft.com/office/drawing/2014/main" id="{38C17974-D16C-CF63-F30C-A144F308B196}"/>
+                <a16:creationId xmlns:a16="http://schemas.microsoft.com/office/drawing/2014/main" id="{BB28EF80-2633-BA3B-6A50-2A9A3FF6F20C}"/>
               </a:ext>
             </a:extLst>
           </p:cNvPr>
@@ -1933,7 +1933,7 @@
           <p:cNvPr id="3" name="日期占位符 2">
             <a:extLst>
               <a:ext uri="{FF2B5EF4-FFF2-40B4-BE49-F238E27FC236}">
-                <a16:creationId xmlns:a16="http://schemas.microsoft.com/office/drawing/2014/main" id="{F2D0A76C-E37C-B77F-10DC-CBB95ACC6B87}"/>
+                <a16:creationId xmlns:a16="http://schemas.microsoft.com/office/drawing/2014/main" id="{82E374C1-CEEA-C7AB-D553-1C66BEF2D3A0}"/>
               </a:ext>
             </a:extLst>
           </p:cNvPr>
@@ -1949,7 +1949,7 @@
           <a:bodyPr/>
           <a:lstStyle/>
           <a:p>
-            <a:fld id="{972852DF-CDD4-470E-9D59-98B9159E1B77}" type="datetimeFigureOut">
+            <a:fld id="{BBEA7C65-B224-4A26-BB57-1F2B46911715}" type="datetimeFigureOut">
               <a:rPr lang="zh-CN" altLang="en-US" smtClean="0"/>
               <a:t>2024/3/10</a:t>
             </a:fld>
@@ -1962,7 +1962,7 @@
           <p:cNvPr id="4" name="页脚占位符 3">
             <a:extLst>
               <a:ext uri="{FF2B5EF4-FFF2-40B4-BE49-F238E27FC236}">
-                <a16:creationId xmlns:a16="http://schemas.microsoft.com/office/drawing/2014/main" id="{91403478-4F45-6C74-BEC9-59704B95795E}"/>
+                <a16:creationId xmlns:a16="http://schemas.microsoft.com/office/drawing/2014/main" id="{6DAB7569-F6F0-BBEB-9452-7E10A335E719}"/>
               </a:ext>
             </a:extLst>
           </p:cNvPr>
@@ -1987,7 +1987,7 @@
           <p:cNvPr id="5" name="灯片编号占位符 4">
             <a:extLst>
               <a:ext uri="{FF2B5EF4-FFF2-40B4-BE49-F238E27FC236}">
-                <a16:creationId xmlns:a16="http://schemas.microsoft.com/office/drawing/2014/main" id="{F71520A7-5AC5-51E9-97B6-618580FCE2D0}"/>
+                <a16:creationId xmlns:a16="http://schemas.microsoft.com/office/drawing/2014/main" id="{3F6E6C66-4358-BACF-004B-B6B5AA4ED96A}"/>
               </a:ext>
             </a:extLst>
           </p:cNvPr>
@@ -2003,7 +2003,7 @@
           <a:bodyPr/>
           <a:lstStyle/>
           <a:p>
-            <a:fld id="{229156A9-1049-4FB4-861E-0FDF8963DA8E}" type="slidenum">
+            <a:fld id="{8EC698A9-C072-4A1E-A512-AACA1E39E526}" type="slidenum">
               <a:rPr lang="zh-CN" altLang="en-US" smtClean="0"/>
               <a:t>‹#›</a:t>
             </a:fld>
@@ -2014,7 +2014,7 @@
     </p:spTree>
     <p:extLst>
       <p:ext uri="{BB962C8B-B14F-4D97-AF65-F5344CB8AC3E}">
-        <p14:creationId xmlns:p14="http://schemas.microsoft.com/office/powerpoint/2010/main" val="1416942111"/>
+        <p14:creationId xmlns:p14="http://schemas.microsoft.com/office/powerpoint/2010/main" val="3208583726"/>
       </p:ext>
     </p:extLst>
   </p:cSld>
@@ -2046,7 +2046,7 @@
           <p:cNvPr id="2" name="日期占位符 1">
             <a:extLst>
               <a:ext uri="{FF2B5EF4-FFF2-40B4-BE49-F238E27FC236}">
-                <a16:creationId xmlns:a16="http://schemas.microsoft.com/office/drawing/2014/main" id="{EE0424FD-B56D-B0BA-24D7-C401311E72A2}"/>
+                <a16:creationId xmlns:a16="http://schemas.microsoft.com/office/drawing/2014/main" id="{2F233747-29BE-311E-5808-16879CB0E323}"/>
               </a:ext>
             </a:extLst>
           </p:cNvPr>
@@ -2062,7 +2062,7 @@
           <a:bodyPr/>
           <a:lstStyle/>
           <a:p>
-            <a:fld id="{972852DF-CDD4-470E-9D59-98B9159E1B77}" type="datetimeFigureOut">
+            <a:fld id="{BBEA7C65-B224-4A26-BB57-1F2B46911715}" type="datetimeFigureOut">
               <a:rPr lang="zh-CN" altLang="en-US" smtClean="0"/>
               <a:t>2024/3/10</a:t>
             </a:fld>
@@ -2075,7 +2075,7 @@
           <p:cNvPr id="3" name="页脚占位符 2">
             <a:extLst>
               <a:ext uri="{FF2B5EF4-FFF2-40B4-BE49-F238E27FC236}">
-                <a16:creationId xmlns:a16="http://schemas.microsoft.com/office/drawing/2014/main" id="{856463CD-2A86-AABD-B134-952A0847A956}"/>
+                <a16:creationId xmlns:a16="http://schemas.microsoft.com/office/drawing/2014/main" id="{C4E01BAA-97B3-E349-DE6A-A5A6F453196D}"/>
               </a:ext>
             </a:extLst>
           </p:cNvPr>
@@ -2100,7 +2100,7 @@
           <p:cNvPr id="4" name="灯片编号占位符 3">
             <a:extLst>
               <a:ext uri="{FF2B5EF4-FFF2-40B4-BE49-F238E27FC236}">
-                <a16:creationId xmlns:a16="http://schemas.microsoft.com/office/drawing/2014/main" id="{9F9917C0-96D5-BF6E-6DCC-6EC4F25ECEE9}"/>
+                <a16:creationId xmlns:a16="http://schemas.microsoft.com/office/drawing/2014/main" id="{8129E12D-857B-3E88-6E5F-9CCE971BDCA5}"/>
               </a:ext>
             </a:extLst>
           </p:cNvPr>
@@ -2116,7 +2116,7 @@
           <a:bodyPr/>
           <a:lstStyle/>
           <a:p>
-            <a:fld id="{229156A9-1049-4FB4-861E-0FDF8963DA8E}" type="slidenum">
+            <a:fld id="{8EC698A9-C072-4A1E-A512-AACA1E39E526}" type="slidenum">
               <a:rPr lang="zh-CN" altLang="en-US" smtClean="0"/>
               <a:t>‹#›</a:t>
             </a:fld>
@@ -2127,7 +2127,7 @@
     </p:spTree>
     <p:extLst>
       <p:ext uri="{BB962C8B-B14F-4D97-AF65-F5344CB8AC3E}">
-        <p14:creationId xmlns:p14="http://schemas.microsoft.com/office/powerpoint/2010/main" val="4100839948"/>
+        <p14:creationId xmlns:p14="http://schemas.microsoft.com/office/powerpoint/2010/main" val="2611805420"/>
       </p:ext>
     </p:extLst>
   </p:cSld>
@@ -2159,7 +2159,7 @@
           <p:cNvPr id="2" name="标题 1">
             <a:extLst>
               <a:ext uri="{FF2B5EF4-FFF2-40B4-BE49-F238E27FC236}">
-                <a16:creationId xmlns:a16="http://schemas.microsoft.com/office/drawing/2014/main" id="{1CCB1194-CC56-7030-451B-0ACB53E3B4EF}"/>
+                <a16:creationId xmlns:a16="http://schemas.microsoft.com/office/drawing/2014/main" id="{CF47833B-BA01-B5E5-811E-BB3D8A6D3B8E}"/>
               </a:ext>
             </a:extLst>
           </p:cNvPr>
@@ -2196,7 +2196,7 @@
           <p:cNvPr id="3" name="内容占位符 2">
             <a:extLst>
               <a:ext uri="{FF2B5EF4-FFF2-40B4-BE49-F238E27FC236}">
-                <a16:creationId xmlns:a16="http://schemas.microsoft.com/office/drawing/2014/main" id="{6D6A784D-79D1-266D-C5C8-0129190122F8}"/>
+                <a16:creationId xmlns:a16="http://schemas.microsoft.com/office/drawing/2014/main" id="{F547ECD9-6818-4014-A7C7-B9847254A0F7}"/>
               </a:ext>
             </a:extLst>
           </p:cNvPr>
@@ -2286,7 +2286,7 @@
           <p:cNvPr id="4" name="文本占位符 3">
             <a:extLst>
               <a:ext uri="{FF2B5EF4-FFF2-40B4-BE49-F238E27FC236}">
-                <a16:creationId xmlns:a16="http://schemas.microsoft.com/office/drawing/2014/main" id="{4A0479E4-7310-AF63-CFDC-6D6ABDB95376}"/>
+                <a16:creationId xmlns:a16="http://schemas.microsoft.com/office/drawing/2014/main" id="{014E1DE1-5840-A718-64D5-7E97C7203E0D}"/>
               </a:ext>
             </a:extLst>
           </p:cNvPr>
@@ -2357,7 +2357,7 @@
           <p:cNvPr id="5" name="日期占位符 4">
             <a:extLst>
               <a:ext uri="{FF2B5EF4-FFF2-40B4-BE49-F238E27FC236}">
-                <a16:creationId xmlns:a16="http://schemas.microsoft.com/office/drawing/2014/main" id="{90F67A74-01B9-F301-9F06-93AFF661CBBF}"/>
+                <a16:creationId xmlns:a16="http://schemas.microsoft.com/office/drawing/2014/main" id="{E0710295-4A0C-B500-0042-5209CE496646}"/>
               </a:ext>
             </a:extLst>
           </p:cNvPr>
@@ -2373,7 +2373,7 @@
           <a:bodyPr/>
           <a:lstStyle/>
           <a:p>
-            <a:fld id="{972852DF-CDD4-470E-9D59-98B9159E1B77}" type="datetimeFigureOut">
+            <a:fld id="{BBEA7C65-B224-4A26-BB57-1F2B46911715}" type="datetimeFigureOut">
               <a:rPr lang="zh-CN" altLang="en-US" smtClean="0"/>
               <a:t>2024/3/10</a:t>
             </a:fld>
@@ -2386,7 +2386,7 @@
           <p:cNvPr id="6" name="页脚占位符 5">
             <a:extLst>
               <a:ext uri="{FF2B5EF4-FFF2-40B4-BE49-F238E27FC236}">
-                <a16:creationId xmlns:a16="http://schemas.microsoft.com/office/drawing/2014/main" id="{A82F7814-3322-BF48-8637-88E792F44505}"/>
+                <a16:creationId xmlns:a16="http://schemas.microsoft.com/office/drawing/2014/main" id="{565A7E02-C18B-0E6D-1909-80512EF05981}"/>
               </a:ext>
             </a:extLst>
           </p:cNvPr>
@@ -2411,7 +2411,7 @@
           <p:cNvPr id="7" name="灯片编号占位符 6">
             <a:extLst>
               <a:ext uri="{FF2B5EF4-FFF2-40B4-BE49-F238E27FC236}">
-                <a16:creationId xmlns:a16="http://schemas.microsoft.com/office/drawing/2014/main" id="{6833CA4C-1CE4-F2BA-0D4D-727C6E549278}"/>
+                <a16:creationId xmlns:a16="http://schemas.microsoft.com/office/drawing/2014/main" id="{44594FF0-CD39-F5A8-1CFB-9E078D694863}"/>
               </a:ext>
             </a:extLst>
           </p:cNvPr>
@@ -2427,7 +2427,7 @@
           <a:bodyPr/>
           <a:lstStyle/>
           <a:p>
-            <a:fld id="{229156A9-1049-4FB4-861E-0FDF8963DA8E}" type="slidenum">
+            <a:fld id="{8EC698A9-C072-4A1E-A512-AACA1E39E526}" type="slidenum">
               <a:rPr lang="zh-CN" altLang="en-US" smtClean="0"/>
               <a:t>‹#›</a:t>
             </a:fld>
@@ -2438,7 +2438,7 @@
     </p:spTree>
     <p:extLst>
       <p:ext uri="{BB962C8B-B14F-4D97-AF65-F5344CB8AC3E}">
-        <p14:creationId xmlns:p14="http://schemas.microsoft.com/office/powerpoint/2010/main" val="175139633"/>
+        <p14:creationId xmlns:p14="http://schemas.microsoft.com/office/powerpoint/2010/main" val="623209258"/>
       </p:ext>
     </p:extLst>
   </p:cSld>
@@ -2470,7 +2470,7 @@
           <p:cNvPr id="2" name="标题 1">
             <a:extLst>
               <a:ext uri="{FF2B5EF4-FFF2-40B4-BE49-F238E27FC236}">
-                <a16:creationId xmlns:a16="http://schemas.microsoft.com/office/drawing/2014/main" id="{F9633519-C6F5-6D28-CA08-730A64BB0150}"/>
+                <a16:creationId xmlns:a16="http://schemas.microsoft.com/office/drawing/2014/main" id="{D3AEBD42-7451-AB36-A320-A4EDC077EEC0}"/>
               </a:ext>
             </a:extLst>
           </p:cNvPr>
@@ -2507,7 +2507,7 @@
           <p:cNvPr id="3" name="图片占位符 2">
             <a:extLst>
               <a:ext uri="{FF2B5EF4-FFF2-40B4-BE49-F238E27FC236}">
-                <a16:creationId xmlns:a16="http://schemas.microsoft.com/office/drawing/2014/main" id="{83ABA471-36F5-B279-B76D-018741662FE1}"/>
+                <a16:creationId xmlns:a16="http://schemas.microsoft.com/office/drawing/2014/main" id="{6F04E3B6-21CE-D63D-B41B-64E1EA890B36}"/>
               </a:ext>
             </a:extLst>
           </p:cNvPr>
@@ -2574,7 +2574,7 @@
           <p:cNvPr id="4" name="文本占位符 3">
             <a:extLst>
               <a:ext uri="{FF2B5EF4-FFF2-40B4-BE49-F238E27FC236}">
-                <a16:creationId xmlns:a16="http://schemas.microsoft.com/office/drawing/2014/main" id="{F9AE2557-0EA6-B6B2-A7CD-D1A4F9F556D7}"/>
+                <a16:creationId xmlns:a16="http://schemas.microsoft.com/office/drawing/2014/main" id="{D0E4DA12-4B13-A198-F4CE-49A7B57B0906}"/>
               </a:ext>
             </a:extLst>
           </p:cNvPr>
@@ -2645,7 +2645,7 @@
           <p:cNvPr id="5" name="日期占位符 4">
             <a:extLst>
               <a:ext uri="{FF2B5EF4-FFF2-40B4-BE49-F238E27FC236}">
-                <a16:creationId xmlns:a16="http://schemas.microsoft.com/office/drawing/2014/main" id="{2C32B041-1F83-3D0F-DA3D-46609E70010A}"/>
+                <a16:creationId xmlns:a16="http://schemas.microsoft.com/office/drawing/2014/main" id="{5C9E7B17-9436-E383-7438-D137FDD88AB8}"/>
               </a:ext>
             </a:extLst>
           </p:cNvPr>
@@ -2661,7 +2661,7 @@
           <a:bodyPr/>
           <a:lstStyle/>
           <a:p>
-            <a:fld id="{972852DF-CDD4-470E-9D59-98B9159E1B77}" type="datetimeFigureOut">
+            <a:fld id="{BBEA7C65-B224-4A26-BB57-1F2B46911715}" type="datetimeFigureOut">
               <a:rPr lang="zh-CN" altLang="en-US" smtClean="0"/>
               <a:t>2024/3/10</a:t>
             </a:fld>
@@ -2674,7 +2674,7 @@
           <p:cNvPr id="6" name="页脚占位符 5">
             <a:extLst>
               <a:ext uri="{FF2B5EF4-FFF2-40B4-BE49-F238E27FC236}">
-                <a16:creationId xmlns:a16="http://schemas.microsoft.com/office/drawing/2014/main" id="{F847B3EF-CF7D-531A-B9D3-7618E3BAD941}"/>
+                <a16:creationId xmlns:a16="http://schemas.microsoft.com/office/drawing/2014/main" id="{BBA81042-B0E4-A9AD-A527-A31A9ED9B1AB}"/>
               </a:ext>
             </a:extLst>
           </p:cNvPr>
@@ -2699,7 +2699,7 @@
           <p:cNvPr id="7" name="灯片编号占位符 6">
             <a:extLst>
               <a:ext uri="{FF2B5EF4-FFF2-40B4-BE49-F238E27FC236}">
-                <a16:creationId xmlns:a16="http://schemas.microsoft.com/office/drawing/2014/main" id="{F355BC62-FD27-4203-92E1-DE3A728DA2BD}"/>
+                <a16:creationId xmlns:a16="http://schemas.microsoft.com/office/drawing/2014/main" id="{A3853E94-9477-2DE1-2801-23807A29AA5F}"/>
               </a:ext>
             </a:extLst>
           </p:cNvPr>
@@ -2715,7 +2715,7 @@
           <a:bodyPr/>
           <a:lstStyle/>
           <a:p>
-            <a:fld id="{229156A9-1049-4FB4-861E-0FDF8963DA8E}" type="slidenum">
+            <a:fld id="{8EC698A9-C072-4A1E-A512-AACA1E39E526}" type="slidenum">
               <a:rPr lang="zh-CN" altLang="en-US" smtClean="0"/>
               <a:t>‹#›</a:t>
             </a:fld>
@@ -2726,7 +2726,7 @@
     </p:spTree>
     <p:extLst>
       <p:ext uri="{BB962C8B-B14F-4D97-AF65-F5344CB8AC3E}">
-        <p14:creationId xmlns:p14="http://schemas.microsoft.com/office/powerpoint/2010/main" val="951281429"/>
+        <p14:creationId xmlns:p14="http://schemas.microsoft.com/office/powerpoint/2010/main" val="1399699279"/>
       </p:ext>
     </p:extLst>
   </p:cSld>
@@ -2763,7 +2763,7 @@
           <p:cNvPr id="2" name="标题占位符 1">
             <a:extLst>
               <a:ext uri="{FF2B5EF4-FFF2-40B4-BE49-F238E27FC236}">
-                <a16:creationId xmlns:a16="http://schemas.microsoft.com/office/drawing/2014/main" id="{EE080BC9-D201-51D1-A926-D43B60B742F0}"/>
+                <a16:creationId xmlns:a16="http://schemas.microsoft.com/office/drawing/2014/main" id="{87AC685A-12B7-0679-2ABA-51C2C3E664BD}"/>
               </a:ext>
             </a:extLst>
           </p:cNvPr>
@@ -2801,7 +2801,7 @@
           <p:cNvPr id="3" name="文本占位符 2">
             <a:extLst>
               <a:ext uri="{FF2B5EF4-FFF2-40B4-BE49-F238E27FC236}">
-                <a16:creationId xmlns:a16="http://schemas.microsoft.com/office/drawing/2014/main" id="{5D7E97E7-5F13-B928-42B1-A1FEA9314FDB}"/>
+                <a16:creationId xmlns:a16="http://schemas.microsoft.com/office/drawing/2014/main" id="{AA4EFCA8-A932-CD7A-1462-423096380AB2}"/>
               </a:ext>
             </a:extLst>
           </p:cNvPr>
@@ -2868,7 +2868,7 @@
           <p:cNvPr id="4" name="日期占位符 3">
             <a:extLst>
               <a:ext uri="{FF2B5EF4-FFF2-40B4-BE49-F238E27FC236}">
-                <a16:creationId xmlns:a16="http://schemas.microsoft.com/office/drawing/2014/main" id="{0136E785-8702-AEC9-E933-5355E1C18CBB}"/>
+                <a16:creationId xmlns:a16="http://schemas.microsoft.com/office/drawing/2014/main" id="{ED06B62A-6DE5-4B19-E532-4DE55C65739C}"/>
               </a:ext>
             </a:extLst>
           </p:cNvPr>
@@ -2902,7 +2902,7 @@
             </a:lvl1pPr>
           </a:lstStyle>
           <a:p>
-            <a:fld id="{972852DF-CDD4-470E-9D59-98B9159E1B77}" type="datetimeFigureOut">
+            <a:fld id="{BBEA7C65-B224-4A26-BB57-1F2B46911715}" type="datetimeFigureOut">
               <a:rPr lang="zh-CN" altLang="en-US" smtClean="0"/>
               <a:t>2024/3/10</a:t>
             </a:fld>
@@ -2915,7 +2915,7 @@
           <p:cNvPr id="5" name="页脚占位符 4">
             <a:extLst>
               <a:ext uri="{FF2B5EF4-FFF2-40B4-BE49-F238E27FC236}">
-                <a16:creationId xmlns:a16="http://schemas.microsoft.com/office/drawing/2014/main" id="{9620B6D2-895D-E6EA-C259-955DA1B6C123}"/>
+                <a16:creationId xmlns:a16="http://schemas.microsoft.com/office/drawing/2014/main" id="{E4D6A9BB-8AEC-1F09-C7B0-5657C589ECBA}"/>
               </a:ext>
             </a:extLst>
           </p:cNvPr>
@@ -2958,7 +2958,7 @@
           <p:cNvPr id="6" name="灯片编号占位符 5">
             <a:extLst>
               <a:ext uri="{FF2B5EF4-FFF2-40B4-BE49-F238E27FC236}">
-                <a16:creationId xmlns:a16="http://schemas.microsoft.com/office/drawing/2014/main" id="{B6364502-98A6-B3CB-F380-19F0F45B9B1E}"/>
+                <a16:creationId xmlns:a16="http://schemas.microsoft.com/office/drawing/2014/main" id="{6256622B-5A4B-3A00-7035-5744A1A0E42C}"/>
               </a:ext>
             </a:extLst>
           </p:cNvPr>
@@ -2992,7 +2992,7 @@
             </a:lvl1pPr>
           </a:lstStyle>
           <a:p>
-            <a:fld id="{229156A9-1049-4FB4-861E-0FDF8963DA8E}" type="slidenum">
+            <a:fld id="{8EC698A9-C072-4A1E-A512-AACA1E39E526}" type="slidenum">
               <a:rPr lang="zh-CN" altLang="en-US" smtClean="0"/>
               <a:t>‹#›</a:t>
             </a:fld>
@@ -3003,7 +3003,7 @@
     </p:spTree>
     <p:extLst>
       <p:ext uri="{BB962C8B-B14F-4D97-AF65-F5344CB8AC3E}">
-        <p14:creationId xmlns:p14="http://schemas.microsoft.com/office/powerpoint/2010/main" val="673448988"/>
+        <p14:creationId xmlns:p14="http://schemas.microsoft.com/office/powerpoint/2010/main" val="1417467291"/>
       </p:ext>
     </p:extLst>
   </p:cSld>
@@ -3323,7 +3323,7 @@
       </p:grpSpPr>
       <p:pic>
         <p:nvPicPr>
-          <p:cNvPr id="1089538" name="Picture 2" descr="1063"/>
+          <p:cNvPr id="1090562" name="Picture 2" descr="1064"/>
           <p:cNvPicPr>
             <a:picLocks noChangeAspect="1" noChangeArrowheads="1"/>
           </p:cNvPicPr>
@@ -3344,8 +3344,8 @@
         </p:blipFill>
         <p:spPr bwMode="auto">
           <a:xfrm>
-            <a:off x="1524000" y="0"/>
-            <a:ext cx="9036050" cy="6775450"/>
+            <a:off x="1524000" y="-1588"/>
+            <a:ext cx="9144000" cy="6311901"/>
           </a:xfrm>
           <a:prstGeom prst="rect">
             <a:avLst/>
@@ -3375,11 +3375,158 @@
           </a:extLst>
         </p:spPr>
       </p:pic>
+      <p:pic>
+        <p:nvPicPr>
+          <p:cNvPr id="1091587" name="Picture 3" descr="1064-2"/>
+          <p:cNvPicPr>
+            <a:picLocks noChangeAspect="1" noChangeArrowheads="1"/>
+          </p:cNvPicPr>
+          <p:nvPr/>
+        </p:nvPicPr>
+        <p:blipFill>
+          <a:blip r:embed="rId3">
+            <a:extLst>
+              <a:ext uri="{28A0092B-C50C-407E-A947-70E740481C1C}">
+                <a14:useLocalDpi xmlns:a14="http://schemas.microsoft.com/office/drawing/2010/main" val="0"/>
+              </a:ext>
+            </a:extLst>
+          </a:blip>
+          <a:srcRect/>
+          <a:stretch>
+            <a:fillRect/>
+          </a:stretch>
+        </p:blipFill>
+        <p:spPr bwMode="auto">
+          <a:xfrm>
+            <a:off x="1524000" y="1"/>
+            <a:ext cx="9144000" cy="6526213"/>
+          </a:xfrm>
+          <a:prstGeom prst="rect">
+            <a:avLst/>
+          </a:prstGeom>
+          <a:noFill/>
+          <a:ln>
+            <a:noFill/>
+          </a:ln>
+          <a:effectLst/>
+          <a:extLst>
+            <a:ext uri="{909E8E84-426E-40DD-AFC4-6F175D3DCCD1}">
+              <a14:hiddenFill xmlns:a14="http://schemas.microsoft.com/office/drawing/2010/main">
+                <a:solidFill>
+                  <a:srgbClr val="FFFFFF"/>
+                </a:solidFill>
+              </a14:hiddenFill>
+            </a:ext>
+            <a:ext uri="{91240B29-F687-4F45-9708-019B960494DF}">
+              <a14:hiddenLine xmlns:a14="http://schemas.microsoft.com/office/drawing/2010/main" w="9525">
+                <a:solidFill>
+                  <a:srgbClr val="000000"/>
+                </a:solidFill>
+                <a:miter lim="800000"/>
+                <a:headEnd/>
+                <a:tailEnd/>
+              </a14:hiddenLine>
+            </a:ext>
+            <a:ext uri="{AF507438-7753-43E0-B8FC-AC1667EBCBE1}">
+              <a14:hiddenEffects xmlns:a14="http://schemas.microsoft.com/office/drawing/2010/main">
+                <a:effectLst>
+                  <a:outerShdw dist="35921" dir="2700000" algn="ctr" rotWithShape="0">
+                    <a:srgbClr val="808080"/>
+                  </a:outerShdw>
+                </a:effectLst>
+              </a14:hiddenEffects>
+            </a:ext>
+          </a:extLst>
+        </p:spPr>
+      </p:pic>
     </p:spTree>
   </p:cSld>
   <p:clrMapOvr>
     <a:masterClrMapping/>
   </p:clrMapOvr>
+  <p:timing>
+    <p:tnLst>
+      <p:par>
+        <p:cTn id="1" dur="indefinite" restart="never" nodeType="tmRoot">
+          <p:childTnLst>
+            <p:seq concurrent="1" nextAc="seek">
+              <p:cTn id="2" dur="indefinite" nodeType="mainSeq">
+                <p:childTnLst>
+                  <p:par>
+                    <p:cTn id="3" fill="hold" nodeType="clickPar">
+                      <p:stCondLst>
+                        <p:cond delay="indefinite"/>
+                      </p:stCondLst>
+                      <p:childTnLst>
+                        <p:par>
+                          <p:cTn id="4" fill="hold" nodeType="withGroup">
+                            <p:stCondLst>
+                              <p:cond delay="0"/>
+                            </p:stCondLst>
+                            <p:childTnLst>
+                              <p:par>
+                                <p:cTn id="5" presetID="10" presetClass="entr" presetSubtype="0" fill="hold" nodeType="clickEffect">
+                                  <p:stCondLst>
+                                    <p:cond delay="0"/>
+                                  </p:stCondLst>
+                                  <p:childTnLst>
+                                    <p:set>
+                                      <p:cBhvr>
+                                        <p:cTn id="6" dur="1" fill="hold">
+                                          <p:stCondLst>
+                                            <p:cond delay="0"/>
+                                          </p:stCondLst>
+                                        </p:cTn>
+                                        <p:tgtEl>
+                                          <p:spTgt spid="1091587"/>
+                                        </p:tgtEl>
+                                        <p:attrNameLst>
+                                          <p:attrName>style.visibility</p:attrName>
+                                        </p:attrNameLst>
+                                      </p:cBhvr>
+                                      <p:to>
+                                        <p:strVal val="visible"/>
+                                      </p:to>
+                                    </p:set>
+                                    <p:animEffect transition="in" filter="fade">
+                                      <p:cBhvr>
+                                        <p:cTn id="7" dur="500"/>
+                                        <p:tgtEl>
+                                          <p:spTgt spid="1091587"/>
+                                        </p:tgtEl>
+                                      </p:cBhvr>
+                                    </p:animEffect>
+                                  </p:childTnLst>
+                                </p:cTn>
+                              </p:par>
+                            </p:childTnLst>
+                          </p:cTn>
+                        </p:par>
+                      </p:childTnLst>
+                    </p:cTn>
+                  </p:par>
+                </p:childTnLst>
+              </p:cTn>
+              <p:prevCondLst>
+                <p:cond evt="onPrev" delay="0">
+                  <p:tgtEl>
+                    <p:sldTgt/>
+                  </p:tgtEl>
+                </p:cond>
+              </p:prevCondLst>
+              <p:nextCondLst>
+                <p:cond evt="onNext" delay="0">
+                  <p:tgtEl>
+                    <p:sldTgt/>
+                  </p:tgtEl>
+                </p:cond>
+              </p:nextCondLst>
+            </p:seq>
+          </p:childTnLst>
+        </p:cTn>
+      </p:par>
+    </p:tnLst>
+  </p:timing>
 </p:sld>
 </file>
 
